--- a/DSF-PT7/Pdf Deliverables/DS Project Presentation MS Movie Studio.pptx
+++ b/DSF-PT7/Pdf Deliverables/DS Project Presentation MS Movie Studio.pptx
@@ -747,8 +747,8 @@
         </p:nvSpPr>
         <p:spPr>
           <a:xfrm>
-            <a:off x="381300" y="685800"/>
-            <a:ext cx="6096075" cy="3429000"/>
+            <a:off x="381000" y="685800"/>
+            <a:ext cx="6096000" cy="3429000"/>
           </a:xfrm>
           <a:custGeom>
             <a:avLst/>
@@ -7123,8 +7123,12 @@
               <a:buNone/>
             </a:pPr>
             <a:r>
+              <a:rPr lang="en" dirty="0"/>
+              <a:t>EDA FOR MICROSOFT </a:t>
+            </a:r>
+            <a:r>
               <a:rPr lang="en"/>
-              <a:t>EDA FOR MICROSOFT MOVIE STUDI</a:t>
+              <a:t>MOVIE STUDIO</a:t>
             </a:r>
             <a:endParaRPr/>
           </a:p>
